--- a/Git-DeepDive.pptx
+++ b/Git-DeepDive.pptx
@@ -221,7 +221,7 @@
           <a:p>
             <a:fld id="{46C003B6-BCEA-46F3-841E-7B3EC6052E68}" type="datetimeFigureOut">
               <a:rPr lang="en-BE" smtClean="0"/>
-              <a:t>07/12/2022</a:t>
+              <a:t>16/12/2022</a:t>
             </a:fld>
             <a:endParaRPr lang="en-BE"/>
           </a:p>
@@ -777,7 +777,7 @@
             <a:fld id="{B61BEF0D-F0BB-DE4B-95CE-6DB70DBA9567}" type="datetimeFigureOut">
               <a:rPr lang="en-US" dirty="0"/>
               <a:pPr/>
-              <a:t>12/7/2022</a:t>
+              <a:t>12/16/2022</a:t>
             </a:fld>
             <a:endParaRPr lang="en-US" dirty="0"/>
           </a:p>
@@ -1065,7 +1065,7 @@
             <a:fld id="{B61BEF0D-F0BB-DE4B-95CE-6DB70DBA9567}" type="datetimeFigureOut">
               <a:rPr lang="en-US" dirty="0"/>
               <a:pPr/>
-              <a:t>12/7/2022</a:t>
+              <a:t>12/16/2022</a:t>
             </a:fld>
             <a:endParaRPr lang="en-US" dirty="0"/>
           </a:p>
@@ -1310,7 +1310,7 @@
             <a:fld id="{B61BEF0D-F0BB-DE4B-95CE-6DB70DBA9567}" type="datetimeFigureOut">
               <a:rPr lang="en-US" dirty="0"/>
               <a:pPr/>
-              <a:t>12/7/2022</a:t>
+              <a:t>12/16/2022</a:t>
             </a:fld>
             <a:endParaRPr lang="en-US" dirty="0"/>
           </a:p>
@@ -1843,7 +1843,7 @@
             <a:fld id="{B61BEF0D-F0BB-DE4B-95CE-6DB70DBA9567}" type="datetimeFigureOut">
               <a:rPr lang="en-US" dirty="0"/>
               <a:pPr/>
-              <a:t>12/7/2022</a:t>
+              <a:t>12/16/2022</a:t>
             </a:fld>
             <a:endParaRPr lang="en-US" dirty="0"/>
           </a:p>
@@ -2088,7 +2088,7 @@
             <a:fld id="{B61BEF0D-F0BB-DE4B-95CE-6DB70DBA9567}" type="datetimeFigureOut">
               <a:rPr lang="en-US" dirty="0"/>
               <a:pPr/>
-              <a:t>12/7/2022</a:t>
+              <a:t>12/16/2022</a:t>
             </a:fld>
             <a:endParaRPr lang="en-US" dirty="0"/>
           </a:p>
@@ -2628,7 +2628,7 @@
             <a:fld id="{B61BEF0D-F0BB-DE4B-95CE-6DB70DBA9567}" type="datetimeFigureOut">
               <a:rPr lang="en-US" dirty="0"/>
               <a:pPr/>
-              <a:t>12/7/2022</a:t>
+              <a:t>12/16/2022</a:t>
             </a:fld>
             <a:endParaRPr lang="en-US" dirty="0"/>
           </a:p>
@@ -2935,7 +2935,7 @@
             <a:fld id="{B61BEF0D-F0BB-DE4B-95CE-6DB70DBA9567}" type="datetimeFigureOut">
               <a:rPr lang="en-US" dirty="0"/>
               <a:pPr/>
-              <a:t>12/7/2022</a:t>
+              <a:t>12/16/2022</a:t>
             </a:fld>
             <a:endParaRPr lang="en-US" dirty="0"/>
           </a:p>
@@ -3107,7 +3107,7 @@
             <a:fld id="{B61BEF0D-F0BB-DE4B-95CE-6DB70DBA9567}" type="datetimeFigureOut">
               <a:rPr lang="en-US" dirty="0"/>
               <a:pPr/>
-              <a:t>12/7/2022</a:t>
+              <a:t>12/16/2022</a:t>
             </a:fld>
             <a:endParaRPr lang="en-US" dirty="0"/>
           </a:p>
@@ -3284,7 +3284,7 @@
             <a:fld id="{B61BEF0D-F0BB-DE4B-95CE-6DB70DBA9567}" type="datetimeFigureOut">
               <a:rPr lang="en-US" dirty="0"/>
               <a:pPr/>
-              <a:t>12/7/2022</a:t>
+              <a:t>12/16/2022</a:t>
             </a:fld>
             <a:endParaRPr lang="en-US" dirty="0"/>
           </a:p>
@@ -3451,7 +3451,7 @@
             <a:fld id="{B61BEF0D-F0BB-DE4B-95CE-6DB70DBA9567}" type="datetimeFigureOut">
               <a:rPr lang="en-US" dirty="0"/>
               <a:pPr/>
-              <a:t>12/7/2022</a:t>
+              <a:t>12/16/2022</a:t>
             </a:fld>
             <a:endParaRPr lang="en-US" dirty="0"/>
           </a:p>
@@ -3694,7 +3694,7 @@
             <a:fld id="{B61BEF0D-F0BB-DE4B-95CE-6DB70DBA9567}" type="datetimeFigureOut">
               <a:rPr lang="en-US" dirty="0"/>
               <a:pPr/>
-              <a:t>12/7/2022</a:t>
+              <a:t>12/16/2022</a:t>
             </a:fld>
             <a:endParaRPr lang="en-US" dirty="0"/>
           </a:p>
@@ -3983,7 +3983,7 @@
             <a:fld id="{B61BEF0D-F0BB-DE4B-95CE-6DB70DBA9567}" type="datetimeFigureOut">
               <a:rPr lang="en-US" dirty="0"/>
               <a:pPr/>
-              <a:t>12/7/2022</a:t>
+              <a:t>12/16/2022</a:t>
             </a:fld>
             <a:endParaRPr lang="en-US" dirty="0"/>
           </a:p>
@@ -4410,7 +4410,7 @@
             <a:fld id="{B61BEF0D-F0BB-DE4B-95CE-6DB70DBA9567}" type="datetimeFigureOut">
               <a:rPr lang="en-US" dirty="0"/>
               <a:pPr/>
-              <a:t>12/7/2022</a:t>
+              <a:t>12/16/2022</a:t>
             </a:fld>
             <a:endParaRPr lang="en-US" dirty="0"/>
           </a:p>
@@ -4530,7 +4530,7 @@
             <a:fld id="{B61BEF0D-F0BB-DE4B-95CE-6DB70DBA9567}" type="datetimeFigureOut">
               <a:rPr lang="en-US" dirty="0"/>
               <a:pPr/>
-              <a:t>12/7/2022</a:t>
+              <a:t>12/16/2022</a:t>
             </a:fld>
             <a:endParaRPr lang="en-US" dirty="0"/>
           </a:p>
@@ -4622,7 +4622,7 @@
             <a:fld id="{B61BEF0D-F0BB-DE4B-95CE-6DB70DBA9567}" type="datetimeFigureOut">
               <a:rPr lang="en-US" dirty="0"/>
               <a:pPr/>
-              <a:t>12/7/2022</a:t>
+              <a:t>12/16/2022</a:t>
             </a:fld>
             <a:endParaRPr lang="en-US" dirty="0"/>
           </a:p>
@@ -4902,7 +4902,7 @@
             <a:fld id="{B61BEF0D-F0BB-DE4B-95CE-6DB70DBA9567}" type="datetimeFigureOut">
               <a:rPr lang="en-US" dirty="0"/>
               <a:pPr/>
-              <a:t>12/7/2022</a:t>
+              <a:t>12/16/2022</a:t>
             </a:fld>
             <a:endParaRPr lang="en-US" dirty="0"/>
           </a:p>
@@ -5190,7 +5190,7 @@
             <a:fld id="{B61BEF0D-F0BB-DE4B-95CE-6DB70DBA9567}" type="datetimeFigureOut">
               <a:rPr lang="en-US" dirty="0"/>
               <a:pPr/>
-              <a:t>12/7/2022</a:t>
+              <a:t>12/16/2022</a:t>
             </a:fld>
             <a:endParaRPr lang="en-US" dirty="0"/>
           </a:p>
@@ -5418,7 +5418,7 @@
             <a:fld id="{B61BEF0D-F0BB-DE4B-95CE-6DB70DBA9567}" type="datetimeFigureOut">
               <a:rPr lang="en-US" dirty="0"/>
               <a:pPr/>
-              <a:t>12/7/2022</a:t>
+              <a:t>12/16/2022</a:t>
             </a:fld>
             <a:endParaRPr lang="en-US" dirty="0"/>
           </a:p>
@@ -6260,8 +6260,8 @@
         </p:nvSpPr>
         <p:spPr>
           <a:xfrm>
-            <a:off x="10877266" y="347587"/>
-            <a:ext cx="1186995" cy="595932"/>
+            <a:off x="10631606" y="347587"/>
+            <a:ext cx="1432655" cy="595932"/>
           </a:xfrm>
           <a:prstGeom prst="rect">
             <a:avLst/>
@@ -6285,7 +6285,7 @@
                 <a:ea typeface="Calibri" panose="020F0502020204030204" pitchFamily="34" charset="0"/>
                 <a:cs typeface="Times New Roman" panose="02020603050405020304" pitchFamily="18" charset="0"/>
               </a:rPr>
-              <a:t>1h</a:t>
+              <a:t>1h30m</a:t>
             </a:r>
             <a:endParaRPr lang="en-BE" sz="3200" dirty="0">
               <a:effectLst/>
@@ -6325,7 +6325,7 @@
         </p:blipFill>
         <p:spPr bwMode="auto">
           <a:xfrm>
-            <a:off x="9949218" y="323919"/>
+            <a:off x="9662615" y="347587"/>
             <a:ext cx="736980" cy="736980"/>
           </a:xfrm>
           <a:prstGeom prst="rect">
@@ -7047,7 +7047,7 @@
 </file>
 
 <file path=customXml/itemProps2.xml><?xml version="1.0" encoding="utf-8"?>
-<ds:datastoreItem xmlns:ds="http://schemas.openxmlformats.org/officeDocument/2006/customXml" ds:itemID="{C9A349EB-25C0-432F-BCC6-B672C9EAA1C2}">
+<ds:datastoreItem xmlns:ds="http://schemas.openxmlformats.org/officeDocument/2006/customXml" ds:itemID="{F9EBE2CE-6713-4ACE-BA85-AE6B6C8A927D}">
   <ds:schemaRefs>
     <ds:schemaRef ds:uri="http://schemas.microsoft.com/VisualStudio/2011/storyboarding/control"/>
   </ds:schemaRefs>
@@ -7055,6 +7055,14 @@
 </file>
 
 <file path=customXml/itemProps3.xml><?xml version="1.0" encoding="utf-8"?>
+<ds:datastoreItem xmlns:ds="http://schemas.openxmlformats.org/officeDocument/2006/customXml" ds:itemID="{A714A584-184D-4334-9B39-881D79A4F0F4}">
+  <ds:schemaRefs>
+    <ds:schemaRef ds:uri="http://schemas.microsoft.com/VisualStudio/2011/storyboarding/control"/>
+  </ds:schemaRefs>
+</ds:datastoreItem>
+</file>
+
+<file path=customXml/itemProps4.xml><?xml version="1.0" encoding="utf-8"?>
 <ds:datastoreItem xmlns:ds="http://schemas.openxmlformats.org/officeDocument/2006/customXml" ds:itemID="{D12F2BFF-C618-42A7-A799-D8722515C0FA}">
   <ds:schemaRefs>
     <ds:schemaRef ds:uri="http://schemas.microsoft.com/VisualStudio/2011/storyboarding/control"/>
@@ -7062,16 +7070,8 @@
 </ds:datastoreItem>
 </file>
 
-<file path=customXml/itemProps4.xml><?xml version="1.0" encoding="utf-8"?>
-<ds:datastoreItem xmlns:ds="http://schemas.openxmlformats.org/officeDocument/2006/customXml" ds:itemID="{A714A584-184D-4334-9B39-881D79A4F0F4}">
-  <ds:schemaRefs>
-    <ds:schemaRef ds:uri="http://schemas.microsoft.com/VisualStudio/2011/storyboarding/control"/>
-  </ds:schemaRefs>
-</ds:datastoreItem>
-</file>
-
 <file path=customXml/itemProps5.xml><?xml version="1.0" encoding="utf-8"?>
-<ds:datastoreItem xmlns:ds="http://schemas.openxmlformats.org/officeDocument/2006/customXml" ds:itemID="{F9EBE2CE-6713-4ACE-BA85-AE6B6C8A927D}">
+<ds:datastoreItem xmlns:ds="http://schemas.openxmlformats.org/officeDocument/2006/customXml" ds:itemID="{C9A349EB-25C0-432F-BCC6-B672C9EAA1C2}">
   <ds:schemaRefs>
     <ds:schemaRef ds:uri="http://schemas.microsoft.com/VisualStudio/2011/storyboarding/control"/>
   </ds:schemaRefs>

--- a/Git-DeepDive.pptx
+++ b/Git-DeepDive.pptx
@@ -221,7 +221,7 @@
           <a:p>
             <a:fld id="{46C003B6-BCEA-46F3-841E-7B3EC6052E68}" type="datetimeFigureOut">
               <a:rPr lang="en-BE" smtClean="0"/>
-              <a:t>16/12/2022</a:t>
+              <a:t>01/02/2023</a:t>
             </a:fld>
             <a:endParaRPr lang="en-BE"/>
           </a:p>
@@ -777,7 +777,7 @@
             <a:fld id="{B61BEF0D-F0BB-DE4B-95CE-6DB70DBA9567}" type="datetimeFigureOut">
               <a:rPr lang="en-US" dirty="0"/>
               <a:pPr/>
-              <a:t>12/16/2022</a:t>
+              <a:t>2/1/2023</a:t>
             </a:fld>
             <a:endParaRPr lang="en-US" dirty="0"/>
           </a:p>
@@ -1065,7 +1065,7 @@
             <a:fld id="{B61BEF0D-F0BB-DE4B-95CE-6DB70DBA9567}" type="datetimeFigureOut">
               <a:rPr lang="en-US" dirty="0"/>
               <a:pPr/>
-              <a:t>12/16/2022</a:t>
+              <a:t>2/1/2023</a:t>
             </a:fld>
             <a:endParaRPr lang="en-US" dirty="0"/>
           </a:p>
@@ -1310,7 +1310,7 @@
             <a:fld id="{B61BEF0D-F0BB-DE4B-95CE-6DB70DBA9567}" type="datetimeFigureOut">
               <a:rPr lang="en-US" dirty="0"/>
               <a:pPr/>
-              <a:t>12/16/2022</a:t>
+              <a:t>2/1/2023</a:t>
             </a:fld>
             <a:endParaRPr lang="en-US" dirty="0"/>
           </a:p>
@@ -1843,7 +1843,7 @@
             <a:fld id="{B61BEF0D-F0BB-DE4B-95CE-6DB70DBA9567}" type="datetimeFigureOut">
               <a:rPr lang="en-US" dirty="0"/>
               <a:pPr/>
-              <a:t>12/16/2022</a:t>
+              <a:t>2/1/2023</a:t>
             </a:fld>
             <a:endParaRPr lang="en-US" dirty="0"/>
           </a:p>
@@ -2088,7 +2088,7 @@
             <a:fld id="{B61BEF0D-F0BB-DE4B-95CE-6DB70DBA9567}" type="datetimeFigureOut">
               <a:rPr lang="en-US" dirty="0"/>
               <a:pPr/>
-              <a:t>12/16/2022</a:t>
+              <a:t>2/1/2023</a:t>
             </a:fld>
             <a:endParaRPr lang="en-US" dirty="0"/>
           </a:p>
@@ -2628,7 +2628,7 @@
             <a:fld id="{B61BEF0D-F0BB-DE4B-95CE-6DB70DBA9567}" type="datetimeFigureOut">
               <a:rPr lang="en-US" dirty="0"/>
               <a:pPr/>
-              <a:t>12/16/2022</a:t>
+              <a:t>2/1/2023</a:t>
             </a:fld>
             <a:endParaRPr lang="en-US" dirty="0"/>
           </a:p>
@@ -2935,7 +2935,7 @@
             <a:fld id="{B61BEF0D-F0BB-DE4B-95CE-6DB70DBA9567}" type="datetimeFigureOut">
               <a:rPr lang="en-US" dirty="0"/>
               <a:pPr/>
-              <a:t>12/16/2022</a:t>
+              <a:t>2/1/2023</a:t>
             </a:fld>
             <a:endParaRPr lang="en-US" dirty="0"/>
           </a:p>
@@ -3107,7 +3107,7 @@
             <a:fld id="{B61BEF0D-F0BB-DE4B-95CE-6DB70DBA9567}" type="datetimeFigureOut">
               <a:rPr lang="en-US" dirty="0"/>
               <a:pPr/>
-              <a:t>12/16/2022</a:t>
+              <a:t>2/1/2023</a:t>
             </a:fld>
             <a:endParaRPr lang="en-US" dirty="0"/>
           </a:p>
@@ -3284,7 +3284,7 @@
             <a:fld id="{B61BEF0D-F0BB-DE4B-95CE-6DB70DBA9567}" type="datetimeFigureOut">
               <a:rPr lang="en-US" dirty="0"/>
               <a:pPr/>
-              <a:t>12/16/2022</a:t>
+              <a:t>2/1/2023</a:t>
             </a:fld>
             <a:endParaRPr lang="en-US" dirty="0"/>
           </a:p>
@@ -3451,7 +3451,7 @@
             <a:fld id="{B61BEF0D-F0BB-DE4B-95CE-6DB70DBA9567}" type="datetimeFigureOut">
               <a:rPr lang="en-US" dirty="0"/>
               <a:pPr/>
-              <a:t>12/16/2022</a:t>
+              <a:t>2/1/2023</a:t>
             </a:fld>
             <a:endParaRPr lang="en-US" dirty="0"/>
           </a:p>
@@ -3694,7 +3694,7 @@
             <a:fld id="{B61BEF0D-F0BB-DE4B-95CE-6DB70DBA9567}" type="datetimeFigureOut">
               <a:rPr lang="en-US" dirty="0"/>
               <a:pPr/>
-              <a:t>12/16/2022</a:t>
+              <a:t>2/1/2023</a:t>
             </a:fld>
             <a:endParaRPr lang="en-US" dirty="0"/>
           </a:p>
@@ -3983,7 +3983,7 @@
             <a:fld id="{B61BEF0D-F0BB-DE4B-95CE-6DB70DBA9567}" type="datetimeFigureOut">
               <a:rPr lang="en-US" dirty="0"/>
               <a:pPr/>
-              <a:t>12/16/2022</a:t>
+              <a:t>2/1/2023</a:t>
             </a:fld>
             <a:endParaRPr lang="en-US" dirty="0"/>
           </a:p>
@@ -4410,7 +4410,7 @@
             <a:fld id="{B61BEF0D-F0BB-DE4B-95CE-6DB70DBA9567}" type="datetimeFigureOut">
               <a:rPr lang="en-US" dirty="0"/>
               <a:pPr/>
-              <a:t>12/16/2022</a:t>
+              <a:t>2/1/2023</a:t>
             </a:fld>
             <a:endParaRPr lang="en-US" dirty="0"/>
           </a:p>
@@ -4530,7 +4530,7 @@
             <a:fld id="{B61BEF0D-F0BB-DE4B-95CE-6DB70DBA9567}" type="datetimeFigureOut">
               <a:rPr lang="en-US" dirty="0"/>
               <a:pPr/>
-              <a:t>12/16/2022</a:t>
+              <a:t>2/1/2023</a:t>
             </a:fld>
             <a:endParaRPr lang="en-US" dirty="0"/>
           </a:p>
@@ -4622,7 +4622,7 @@
             <a:fld id="{B61BEF0D-F0BB-DE4B-95CE-6DB70DBA9567}" type="datetimeFigureOut">
               <a:rPr lang="en-US" dirty="0"/>
               <a:pPr/>
-              <a:t>12/16/2022</a:t>
+              <a:t>2/1/2023</a:t>
             </a:fld>
             <a:endParaRPr lang="en-US" dirty="0"/>
           </a:p>
@@ -4902,7 +4902,7 @@
             <a:fld id="{B61BEF0D-F0BB-DE4B-95CE-6DB70DBA9567}" type="datetimeFigureOut">
               <a:rPr lang="en-US" dirty="0"/>
               <a:pPr/>
-              <a:t>12/16/2022</a:t>
+              <a:t>2/1/2023</a:t>
             </a:fld>
             <a:endParaRPr lang="en-US" dirty="0"/>
           </a:p>
@@ -5190,7 +5190,7 @@
             <a:fld id="{B61BEF0D-F0BB-DE4B-95CE-6DB70DBA9567}" type="datetimeFigureOut">
               <a:rPr lang="en-US" dirty="0"/>
               <a:pPr/>
-              <a:t>12/16/2022</a:t>
+              <a:t>2/1/2023</a:t>
             </a:fld>
             <a:endParaRPr lang="en-US" dirty="0"/>
           </a:p>
@@ -5418,7 +5418,7 @@
             <a:fld id="{B61BEF0D-F0BB-DE4B-95CE-6DB70DBA9567}" type="datetimeFigureOut">
               <a:rPr lang="en-US" dirty="0"/>
               <a:pPr/>
-              <a:t>12/16/2022</a:t>
+              <a:t>2/1/2023</a:t>
             </a:fld>
             <a:endParaRPr lang="en-US" dirty="0"/>
           </a:p>
@@ -6345,56 +6345,6 @@
       </p:pic>
       <p:sp>
         <p:nvSpPr>
-          <p:cNvPr id="8" name="Rectangle 7">
-            <a:extLst>
-              <a:ext uri="{FF2B5EF4-FFF2-40B4-BE49-F238E27FC236}">
-                <a16:creationId xmlns:a16="http://schemas.microsoft.com/office/drawing/2014/main" id="{CE8FB2B7-802A-B076-F84E-8BD83BCAF5D7}"/>
-              </a:ext>
-            </a:extLst>
-          </p:cNvPr>
-          <p:cNvSpPr/>
-          <p:nvPr/>
-        </p:nvSpPr>
-        <p:spPr>
-          <a:xfrm>
-            <a:off x="10172700" y="6210299"/>
-            <a:ext cx="1846957" cy="441793"/>
-          </a:xfrm>
-          <a:prstGeom prst="rect">
-            <a:avLst/>
-          </a:prstGeom>
-        </p:spPr>
-        <p:style>
-          <a:lnRef idx="2">
-            <a:schemeClr val="accent2">
-              <a:shade val="50000"/>
-            </a:schemeClr>
-          </a:lnRef>
-          <a:fillRef idx="1">
-            <a:schemeClr val="accent2"/>
-          </a:fillRef>
-          <a:effectRef idx="0">
-            <a:schemeClr val="accent2"/>
-          </a:effectRef>
-          <a:fontRef idx="minor">
-            <a:schemeClr val="lt1"/>
-          </a:fontRef>
-        </p:style>
-        <p:txBody>
-          <a:bodyPr rtlCol="0" anchor="ctr"/>
-          <a:lstStyle/>
-          <a:p>
-            <a:pPr algn="ctr"/>
-            <a:r>
-              <a:rPr lang="en-US" dirty="0"/>
-              <a:t>Other</a:t>
-            </a:r>
-            <a:endParaRPr lang="en-BE" dirty="0"/>
-          </a:p>
-        </p:txBody>
-      </p:sp>
-      <p:sp>
-        <p:nvSpPr>
           <p:cNvPr id="3" name="Rectangle 2">
             <a:extLst>
               <a:ext uri="{FF2B5EF4-FFF2-40B4-BE49-F238E27FC236}">
@@ -6439,6 +6389,56 @@
             <a:r>
               <a:rPr lang="fr-BE" dirty="0" err="1"/>
               <a:t>Intermediate</a:t>
+            </a:r>
+            <a:endParaRPr lang="en-BE" dirty="0"/>
+          </a:p>
+        </p:txBody>
+      </p:sp>
+      <p:sp>
+        <p:nvSpPr>
+          <p:cNvPr id="10" name="Rectangle: Rounded Corners 9">
+            <a:extLst>
+              <a:ext uri="{FF2B5EF4-FFF2-40B4-BE49-F238E27FC236}">
+                <a16:creationId xmlns:a16="http://schemas.microsoft.com/office/drawing/2014/main" id="{C00B13DB-9177-DB23-0D1B-404099235322}"/>
+              </a:ext>
+            </a:extLst>
+          </p:cNvPr>
+          <p:cNvSpPr/>
+          <p:nvPr/>
+        </p:nvSpPr>
+        <p:spPr>
+          <a:xfrm>
+            <a:off x="9662615" y="6210299"/>
+            <a:ext cx="2357042" cy="409737"/>
+          </a:xfrm>
+          <a:prstGeom prst="roundRect">
+            <a:avLst/>
+          </a:prstGeom>
+        </p:spPr>
+        <p:style>
+          <a:lnRef idx="2">
+            <a:schemeClr val="accent1">
+              <a:shade val="50000"/>
+            </a:schemeClr>
+          </a:lnRef>
+          <a:fillRef idx="1">
+            <a:schemeClr val="accent1"/>
+          </a:fillRef>
+          <a:effectRef idx="0">
+            <a:schemeClr val="accent1"/>
+          </a:effectRef>
+          <a:fontRef idx="minor">
+            <a:schemeClr val="lt1"/>
+          </a:fontRef>
+        </p:style>
+        <p:txBody>
+          <a:bodyPr rtlCol="0" anchor="ctr"/>
+          <a:lstStyle/>
+          <a:p>
+            <a:pPr algn="ctr"/>
+            <a:r>
+              <a:rPr lang="en-US" dirty="0" err="1"/>
+              <a:t>ArchitectureTrack</a:t>
             </a:r>
             <a:endParaRPr lang="en-BE" dirty="0"/>
           </a:p>
@@ -7039,7 +7039,7 @@
 </file>
 
 <file path=customXml/itemProps1.xml><?xml version="1.0" encoding="utf-8"?>
-<ds:datastoreItem xmlns:ds="http://schemas.openxmlformats.org/officeDocument/2006/customXml" ds:itemID="{83121EFB-4893-415B-B7BD-F940E893B2BD}">
+<ds:datastoreItem xmlns:ds="http://schemas.openxmlformats.org/officeDocument/2006/customXml" ds:itemID="{A714A584-184D-4334-9B39-881D79A4F0F4}">
   <ds:schemaRefs>
     <ds:schemaRef ds:uri="http://schemas.microsoft.com/VisualStudio/2011/storyboarding/control"/>
   </ds:schemaRefs>
@@ -7055,7 +7055,7 @@
 </file>
 
 <file path=customXml/itemProps3.xml><?xml version="1.0" encoding="utf-8"?>
-<ds:datastoreItem xmlns:ds="http://schemas.openxmlformats.org/officeDocument/2006/customXml" ds:itemID="{A714A584-184D-4334-9B39-881D79A4F0F4}">
+<ds:datastoreItem xmlns:ds="http://schemas.openxmlformats.org/officeDocument/2006/customXml" ds:itemID="{83121EFB-4893-415B-B7BD-F940E893B2BD}">
   <ds:schemaRefs>
     <ds:schemaRef ds:uri="http://schemas.microsoft.com/VisualStudio/2011/storyboarding/control"/>
   </ds:schemaRefs>
@@ -7063,7 +7063,7 @@
 </file>
 
 <file path=customXml/itemProps4.xml><?xml version="1.0" encoding="utf-8"?>
-<ds:datastoreItem xmlns:ds="http://schemas.openxmlformats.org/officeDocument/2006/customXml" ds:itemID="{D12F2BFF-C618-42A7-A799-D8722515C0FA}">
+<ds:datastoreItem xmlns:ds="http://schemas.openxmlformats.org/officeDocument/2006/customXml" ds:itemID="{C9A349EB-25C0-432F-BCC6-B672C9EAA1C2}">
   <ds:schemaRefs>
     <ds:schemaRef ds:uri="http://schemas.microsoft.com/VisualStudio/2011/storyboarding/control"/>
   </ds:schemaRefs>
@@ -7071,7 +7071,7 @@
 </file>
 
 <file path=customXml/itemProps5.xml><?xml version="1.0" encoding="utf-8"?>
-<ds:datastoreItem xmlns:ds="http://schemas.openxmlformats.org/officeDocument/2006/customXml" ds:itemID="{C9A349EB-25C0-432F-BCC6-B672C9EAA1C2}">
+<ds:datastoreItem xmlns:ds="http://schemas.openxmlformats.org/officeDocument/2006/customXml" ds:itemID="{D12F2BFF-C618-42A7-A799-D8722515C0FA}">
   <ds:schemaRefs>
     <ds:schemaRef ds:uri="http://schemas.microsoft.com/VisualStudio/2011/storyboarding/control"/>
   </ds:schemaRefs>
